--- a/doc/contoso-receiver-adapter.pptx
+++ b/doc/contoso-receiver-adapter.pptx
@@ -5,7 +5,10 @@
     <p:sldMasterId id="2147483648" r:id="rId1"/>
   </p:sldMasterIdLst>
   <p:sldIdLst>
-    <p:sldId id="257" r:id="rId2"/>
+    <p:sldId id="258" r:id="rId2"/>
+    <p:sldId id="257" r:id="rId3"/>
+    <p:sldId id="259" r:id="rId4"/>
+    <p:sldId id="260" r:id="rId5"/>
   </p:sldIdLst>
   <p:sldSz cx="12192000" cy="6858000"/>
   <p:notesSz cx="6858000" cy="9144000"/>
@@ -104,6 +107,11 @@
       </a:defRPr>
     </a:lvl9pPr>
   </p:defaultTextStyle>
+  <p:extLst>
+    <p:ext uri="{EFAFB233-063F-42B5-8137-9DF3F51BA10A}">
+      <p15:sldGuideLst xmlns:p15="http://schemas.microsoft.com/office/powerpoint/2012/main"/>
+    </p:ext>
+  </p:extLst>
 </p:presentation>
 </file>
 
@@ -254,7 +262,7 @@
           <a:p>
             <a:fld id="{1122A823-5F4A-4045-9E50-39BA17C87DDC}" type="datetimeFigureOut">
               <a:rPr lang="zh-TW" altLang="en-US" smtClean="0"/>
-              <a:t>2018/6/19</a:t>
+              <a:t>2018/6/20</a:t>
             </a:fld>
             <a:endParaRPr lang="zh-TW" altLang="en-US"/>
           </a:p>
@@ -452,7 +460,7 @@
           <a:p>
             <a:fld id="{1122A823-5F4A-4045-9E50-39BA17C87DDC}" type="datetimeFigureOut">
               <a:rPr lang="zh-TW" altLang="en-US" smtClean="0"/>
-              <a:t>2018/6/19</a:t>
+              <a:t>2018/6/20</a:t>
             </a:fld>
             <a:endParaRPr lang="zh-TW" altLang="en-US"/>
           </a:p>
@@ -660,7 +668,7 @@
           <a:p>
             <a:fld id="{1122A823-5F4A-4045-9E50-39BA17C87DDC}" type="datetimeFigureOut">
               <a:rPr lang="zh-TW" altLang="en-US" smtClean="0"/>
-              <a:t>2018/6/19</a:t>
+              <a:t>2018/6/20</a:t>
             </a:fld>
             <a:endParaRPr lang="zh-TW" altLang="en-US"/>
           </a:p>
@@ -858,7 +866,7 @@
           <a:p>
             <a:fld id="{1122A823-5F4A-4045-9E50-39BA17C87DDC}" type="datetimeFigureOut">
               <a:rPr lang="zh-TW" altLang="en-US" smtClean="0"/>
-              <a:t>2018/6/19</a:t>
+              <a:t>2018/6/20</a:t>
             </a:fld>
             <a:endParaRPr lang="zh-TW" altLang="en-US"/>
           </a:p>
@@ -1133,7 +1141,7 @@
           <a:p>
             <a:fld id="{1122A823-5F4A-4045-9E50-39BA17C87DDC}" type="datetimeFigureOut">
               <a:rPr lang="zh-TW" altLang="en-US" smtClean="0"/>
-              <a:t>2018/6/19</a:t>
+              <a:t>2018/6/20</a:t>
             </a:fld>
             <a:endParaRPr lang="zh-TW" altLang="en-US"/>
           </a:p>
@@ -1398,7 +1406,7 @@
           <a:p>
             <a:fld id="{1122A823-5F4A-4045-9E50-39BA17C87DDC}" type="datetimeFigureOut">
               <a:rPr lang="zh-TW" altLang="en-US" smtClean="0"/>
-              <a:t>2018/6/19</a:t>
+              <a:t>2018/6/20</a:t>
             </a:fld>
             <a:endParaRPr lang="zh-TW" altLang="en-US"/>
           </a:p>
@@ -1810,7 +1818,7 @@
           <a:p>
             <a:fld id="{1122A823-5F4A-4045-9E50-39BA17C87DDC}" type="datetimeFigureOut">
               <a:rPr lang="zh-TW" altLang="en-US" smtClean="0"/>
-              <a:t>2018/6/19</a:t>
+              <a:t>2018/6/20</a:t>
             </a:fld>
             <a:endParaRPr lang="zh-TW" altLang="en-US"/>
           </a:p>
@@ -1951,7 +1959,7 @@
           <a:p>
             <a:fld id="{1122A823-5F4A-4045-9E50-39BA17C87DDC}" type="datetimeFigureOut">
               <a:rPr lang="zh-TW" altLang="en-US" smtClean="0"/>
-              <a:t>2018/6/19</a:t>
+              <a:t>2018/6/20</a:t>
             </a:fld>
             <a:endParaRPr lang="zh-TW" altLang="en-US"/>
           </a:p>
@@ -2064,7 +2072,7 @@
           <a:p>
             <a:fld id="{1122A823-5F4A-4045-9E50-39BA17C87DDC}" type="datetimeFigureOut">
               <a:rPr lang="zh-TW" altLang="en-US" smtClean="0"/>
-              <a:t>2018/6/19</a:t>
+              <a:t>2018/6/20</a:t>
             </a:fld>
             <a:endParaRPr lang="zh-TW" altLang="en-US"/>
           </a:p>
@@ -2375,7 +2383,7 @@
           <a:p>
             <a:fld id="{1122A823-5F4A-4045-9E50-39BA17C87DDC}" type="datetimeFigureOut">
               <a:rPr lang="zh-TW" altLang="en-US" smtClean="0"/>
-              <a:t>2018/6/19</a:t>
+              <a:t>2018/6/20</a:t>
             </a:fld>
             <a:endParaRPr lang="zh-TW" altLang="en-US"/>
           </a:p>
@@ -2663,7 +2671,7 @@
           <a:p>
             <a:fld id="{1122A823-5F4A-4045-9E50-39BA17C87DDC}" type="datetimeFigureOut">
               <a:rPr lang="zh-TW" altLang="en-US" smtClean="0"/>
-              <a:t>2018/6/19</a:t>
+              <a:t>2018/6/20</a:t>
             </a:fld>
             <a:endParaRPr lang="zh-TW" altLang="en-US"/>
           </a:p>
@@ -2904,7 +2912,7 @@
           <a:p>
             <a:fld id="{1122A823-5F4A-4045-9E50-39BA17C87DDC}" type="datetimeFigureOut">
               <a:rPr lang="zh-TW" altLang="en-US" smtClean="0"/>
-              <a:t>2018/6/19</a:t>
+              <a:t>2018/6/20</a:t>
             </a:fld>
             <a:endParaRPr lang="zh-TW" altLang="en-US"/>
           </a:p>
@@ -3323,6 +3331,90 @@
       </p:grpSpPr>
       <p:sp>
         <p:nvSpPr>
+          <p:cNvPr id="2" name="Title 1">
+            <a:extLst>
+              <a:ext uri="{FF2B5EF4-FFF2-40B4-BE49-F238E27FC236}">
+                <a16:creationId xmlns:a16="http://schemas.microsoft.com/office/drawing/2014/main" id="{218F396E-FC8E-4497-972D-5E37BD75B6AF}"/>
+              </a:ext>
+            </a:extLst>
+          </p:cNvPr>
+          <p:cNvSpPr>
+            <a:spLocks noGrp="1"/>
+          </p:cNvSpPr>
+          <p:nvPr>
+            <p:ph type="ctrTitle"/>
+          </p:nvPr>
+        </p:nvSpPr>
+        <p:spPr/>
+        <p:txBody>
+          <a:bodyPr/>
+          <a:lstStyle/>
+          <a:p>
+            <a:r>
+              <a:rPr lang="en-US" altLang="zh-TW" dirty="0"/>
+              <a:t>Receiver Adapter</a:t>
+            </a:r>
+            <a:endParaRPr lang="en-US" dirty="0"/>
+          </a:p>
+        </p:txBody>
+      </p:sp>
+      <p:sp>
+        <p:nvSpPr>
+          <p:cNvPr id="3" name="Subtitle 2">
+            <a:extLst>
+              <a:ext uri="{FF2B5EF4-FFF2-40B4-BE49-F238E27FC236}">
+                <a16:creationId xmlns:a16="http://schemas.microsoft.com/office/drawing/2014/main" id="{A9A5A540-AA88-4AAA-9347-1D205CC00D30}"/>
+              </a:ext>
+            </a:extLst>
+          </p:cNvPr>
+          <p:cNvSpPr>
+            <a:spLocks noGrp="1"/>
+          </p:cNvSpPr>
+          <p:nvPr>
+            <p:ph type="subTitle" idx="1"/>
+          </p:nvPr>
+        </p:nvSpPr>
+        <p:spPr/>
+        <p:txBody>
+          <a:bodyPr/>
+          <a:lstStyle/>
+          <a:p>
+            <a:endParaRPr lang="en-US"/>
+          </a:p>
+        </p:txBody>
+      </p:sp>
+    </p:spTree>
+    <p:extLst>
+      <p:ext uri="{BB962C8B-B14F-4D97-AF65-F5344CB8AC3E}">
+        <p14:creationId xmlns:p14="http://schemas.microsoft.com/office/powerpoint/2010/main" val="2581223940"/>
+      </p:ext>
+    </p:extLst>
+  </p:cSld>
+  <p:clrMapOvr>
+    <a:masterClrMapping/>
+  </p:clrMapOvr>
+</p:sld>
+</file>
+
+<file path=ppt/slides/slide2.xml><?xml version="1.0" encoding="utf-8"?>
+<p:sld xmlns:a="http://schemas.openxmlformats.org/drawingml/2006/main" xmlns:r="http://schemas.openxmlformats.org/officeDocument/2006/relationships" xmlns:p="http://schemas.openxmlformats.org/presentationml/2006/main">
+  <p:cSld>
+    <p:spTree>
+      <p:nvGrpSpPr>
+        <p:cNvPr id="1" name=""/>
+        <p:cNvGrpSpPr/>
+        <p:nvPr/>
+      </p:nvGrpSpPr>
+      <p:grpSpPr>
+        <a:xfrm>
+          <a:off x="0" y="0"/>
+          <a:ext cx="0" cy="0"/>
+          <a:chOff x="0" y="0"/>
+          <a:chExt cx="0" cy="0"/>
+        </a:xfrm>
+      </p:grpSpPr>
+      <p:sp>
+        <p:nvSpPr>
           <p:cNvPr id="4" name="矩形 3">
             <a:extLst>
               <a:ext uri="{FF2B5EF4-FFF2-40B4-BE49-F238E27FC236}">
@@ -3900,6 +3992,502 @@
     <p:extLst>
       <p:ext uri="{BB962C8B-B14F-4D97-AF65-F5344CB8AC3E}">
         <p14:creationId xmlns:p14="http://schemas.microsoft.com/office/powerpoint/2010/main" val="3280458136"/>
+      </p:ext>
+    </p:extLst>
+  </p:cSld>
+  <p:clrMapOvr>
+    <a:masterClrMapping/>
+  </p:clrMapOvr>
+</p:sld>
+</file>
+
+<file path=ppt/slides/slide3.xml><?xml version="1.0" encoding="utf-8"?>
+<p:sld xmlns:a="http://schemas.openxmlformats.org/drawingml/2006/main" xmlns:r="http://schemas.openxmlformats.org/officeDocument/2006/relationships" xmlns:p="http://schemas.openxmlformats.org/presentationml/2006/main">
+  <p:cSld>
+    <p:spTree>
+      <p:nvGrpSpPr>
+        <p:cNvPr id="1" name=""/>
+        <p:cNvGrpSpPr/>
+        <p:nvPr/>
+      </p:nvGrpSpPr>
+      <p:grpSpPr>
+        <a:xfrm>
+          <a:off x="0" y="0"/>
+          <a:ext cx="0" cy="0"/>
+          <a:chOff x="0" y="0"/>
+          <a:chExt cx="0" cy="0"/>
+        </a:xfrm>
+      </p:grpSpPr>
+      <p:sp>
+        <p:nvSpPr>
+          <p:cNvPr id="2" name="Title 1">
+            <a:extLst>
+              <a:ext uri="{FF2B5EF4-FFF2-40B4-BE49-F238E27FC236}">
+                <a16:creationId xmlns:a16="http://schemas.microsoft.com/office/drawing/2014/main" id="{218F396E-FC8E-4497-972D-5E37BD75B6AF}"/>
+              </a:ext>
+            </a:extLst>
+          </p:cNvPr>
+          <p:cNvSpPr>
+            <a:spLocks noGrp="1"/>
+          </p:cNvSpPr>
+          <p:nvPr>
+            <p:ph type="ctrTitle"/>
+          </p:nvPr>
+        </p:nvSpPr>
+        <p:spPr/>
+        <p:txBody>
+          <a:bodyPr/>
+          <a:lstStyle/>
+          <a:p>
+            <a:r>
+              <a:rPr lang="en-US" altLang="zh-TW" dirty="0"/>
+              <a:t>Sender Adapter</a:t>
+            </a:r>
+            <a:endParaRPr lang="en-US" dirty="0"/>
+          </a:p>
+        </p:txBody>
+      </p:sp>
+      <p:sp>
+        <p:nvSpPr>
+          <p:cNvPr id="3" name="Subtitle 2">
+            <a:extLst>
+              <a:ext uri="{FF2B5EF4-FFF2-40B4-BE49-F238E27FC236}">
+                <a16:creationId xmlns:a16="http://schemas.microsoft.com/office/drawing/2014/main" id="{A9A5A540-AA88-4AAA-9347-1D205CC00D30}"/>
+              </a:ext>
+            </a:extLst>
+          </p:cNvPr>
+          <p:cNvSpPr>
+            <a:spLocks noGrp="1"/>
+          </p:cNvSpPr>
+          <p:nvPr>
+            <p:ph type="subTitle" idx="1"/>
+          </p:nvPr>
+        </p:nvSpPr>
+        <p:spPr/>
+        <p:txBody>
+          <a:bodyPr/>
+          <a:lstStyle/>
+          <a:p>
+            <a:endParaRPr lang="en-US"/>
+          </a:p>
+        </p:txBody>
+      </p:sp>
+    </p:spTree>
+    <p:extLst>
+      <p:ext uri="{BB962C8B-B14F-4D97-AF65-F5344CB8AC3E}">
+        <p14:creationId xmlns:p14="http://schemas.microsoft.com/office/powerpoint/2010/main" val="2945557282"/>
+      </p:ext>
+    </p:extLst>
+  </p:cSld>
+  <p:clrMapOvr>
+    <a:masterClrMapping/>
+  </p:clrMapOvr>
+</p:sld>
+</file>
+
+<file path=ppt/slides/slide4.xml><?xml version="1.0" encoding="utf-8"?>
+<p:sld xmlns:a="http://schemas.openxmlformats.org/drawingml/2006/main" xmlns:r="http://schemas.openxmlformats.org/officeDocument/2006/relationships" xmlns:p="http://schemas.openxmlformats.org/presentationml/2006/main">
+  <p:cSld>
+    <p:spTree>
+      <p:nvGrpSpPr>
+        <p:cNvPr id="1" name=""/>
+        <p:cNvGrpSpPr/>
+        <p:nvPr/>
+      </p:nvGrpSpPr>
+      <p:grpSpPr>
+        <a:xfrm>
+          <a:off x="0" y="0"/>
+          <a:ext cx="0" cy="0"/>
+          <a:chOff x="0" y="0"/>
+          <a:chExt cx="0" cy="0"/>
+        </a:xfrm>
+      </p:grpSpPr>
+      <p:sp>
+        <p:nvSpPr>
+          <p:cNvPr id="4" name="矩形 3">
+            <a:extLst>
+              <a:ext uri="{FF2B5EF4-FFF2-40B4-BE49-F238E27FC236}">
+                <a16:creationId xmlns:a16="http://schemas.microsoft.com/office/drawing/2014/main" id="{0622969E-0215-45EA-86FA-8ABB01D87DFC}"/>
+              </a:ext>
+            </a:extLst>
+          </p:cNvPr>
+          <p:cNvSpPr/>
+          <p:nvPr/>
+        </p:nvSpPr>
+        <p:spPr>
+          <a:xfrm>
+            <a:off x="1205948" y="490330"/>
+            <a:ext cx="2504661" cy="1417983"/>
+          </a:xfrm>
+          <a:prstGeom prst="rect">
+            <a:avLst/>
+          </a:prstGeom>
+        </p:spPr>
+        <p:style>
+          <a:lnRef idx="2">
+            <a:schemeClr val="accent1">
+              <a:shade val="50000"/>
+            </a:schemeClr>
+          </a:lnRef>
+          <a:fillRef idx="1">
+            <a:schemeClr val="accent1"/>
+          </a:fillRef>
+          <a:effectRef idx="0">
+            <a:schemeClr val="accent1"/>
+          </a:effectRef>
+          <a:fontRef idx="minor">
+            <a:schemeClr val="lt1"/>
+          </a:fontRef>
+        </p:style>
+        <p:txBody>
+          <a:bodyPr rtlCol="0" anchor="ctr"/>
+          <a:lstStyle/>
+          <a:p>
+            <a:pPr algn="ctr"/>
+            <a:r>
+              <a:rPr lang="en-US" altLang="zh-TW" dirty="0"/>
+              <a:t>Internal Service Bus Queue</a:t>
+            </a:r>
+            <a:endParaRPr lang="zh-TW" altLang="en-US" dirty="0"/>
+          </a:p>
+        </p:txBody>
+      </p:sp>
+      <p:sp>
+        <p:nvSpPr>
+          <p:cNvPr id="5" name="矩形 4">
+            <a:extLst>
+              <a:ext uri="{FF2B5EF4-FFF2-40B4-BE49-F238E27FC236}">
+                <a16:creationId xmlns:a16="http://schemas.microsoft.com/office/drawing/2014/main" id="{0CEAB53D-9722-48A7-9933-3D4A7FF259CD}"/>
+              </a:ext>
+            </a:extLst>
+          </p:cNvPr>
+          <p:cNvSpPr/>
+          <p:nvPr/>
+        </p:nvSpPr>
+        <p:spPr>
+          <a:xfrm>
+            <a:off x="1205948" y="2720008"/>
+            <a:ext cx="2504661" cy="1417983"/>
+          </a:xfrm>
+          <a:prstGeom prst="rect">
+            <a:avLst/>
+          </a:prstGeom>
+        </p:spPr>
+        <p:style>
+          <a:lnRef idx="2">
+            <a:schemeClr val="accent1">
+              <a:shade val="50000"/>
+            </a:schemeClr>
+          </a:lnRef>
+          <a:fillRef idx="1">
+            <a:schemeClr val="accent1"/>
+          </a:fillRef>
+          <a:effectRef idx="0">
+            <a:schemeClr val="accent1"/>
+          </a:effectRef>
+          <a:fontRef idx="minor">
+            <a:schemeClr val="lt1"/>
+          </a:fontRef>
+        </p:style>
+        <p:txBody>
+          <a:bodyPr rtlCol="0" anchor="ctr"/>
+          <a:lstStyle/>
+          <a:p>
+            <a:pPr algn="ctr"/>
+            <a:r>
+              <a:rPr lang="en-US" altLang="zh-TW" dirty="0"/>
+              <a:t>Timer Trigger</a:t>
+            </a:r>
+            <a:endParaRPr lang="zh-TW" altLang="en-US" dirty="0"/>
+          </a:p>
+        </p:txBody>
+      </p:sp>
+      <p:cxnSp>
+        <p:nvCxnSpPr>
+          <p:cNvPr id="8" name="直線單箭頭接點 7">
+            <a:extLst>
+              <a:ext uri="{FF2B5EF4-FFF2-40B4-BE49-F238E27FC236}">
+                <a16:creationId xmlns:a16="http://schemas.microsoft.com/office/drawing/2014/main" id="{D1420F86-4D51-4F0C-8A90-AA1830F74EB9}"/>
+              </a:ext>
+            </a:extLst>
+          </p:cNvPr>
+          <p:cNvCxnSpPr>
+            <a:stCxn id="4" idx="2"/>
+            <a:endCxn id="5" idx="0"/>
+          </p:cNvCxnSpPr>
+          <p:nvPr/>
+        </p:nvCxnSpPr>
+        <p:spPr>
+          <a:xfrm>
+            <a:off x="2458279" y="1908313"/>
+            <a:ext cx="0" cy="811695"/>
+          </a:xfrm>
+          <a:prstGeom prst="straightConnector1">
+            <a:avLst/>
+          </a:prstGeom>
+          <a:ln>
+            <a:tailEnd type="triangle"/>
+          </a:ln>
+        </p:spPr>
+        <p:style>
+          <a:lnRef idx="1">
+            <a:schemeClr val="accent1"/>
+          </a:lnRef>
+          <a:fillRef idx="0">
+            <a:schemeClr val="accent1"/>
+          </a:fillRef>
+          <a:effectRef idx="0">
+            <a:schemeClr val="accent1"/>
+          </a:effectRef>
+          <a:fontRef idx="minor">
+            <a:schemeClr val="tx1"/>
+          </a:fontRef>
+        </p:style>
+      </p:cxnSp>
+      <p:cxnSp>
+        <p:nvCxnSpPr>
+          <p:cNvPr id="9" name="直線單箭頭接點 8">
+            <a:extLst>
+              <a:ext uri="{FF2B5EF4-FFF2-40B4-BE49-F238E27FC236}">
+                <a16:creationId xmlns:a16="http://schemas.microsoft.com/office/drawing/2014/main" id="{5C894DDB-8AED-4452-9C41-1101A3565C5D}"/>
+              </a:ext>
+            </a:extLst>
+          </p:cNvPr>
+          <p:cNvCxnSpPr>
+            <a:cxnSpLocks/>
+            <a:stCxn id="5" idx="2"/>
+            <a:endCxn id="16" idx="0"/>
+          </p:cNvCxnSpPr>
+          <p:nvPr/>
+        </p:nvCxnSpPr>
+        <p:spPr>
+          <a:xfrm flipH="1">
+            <a:off x="2458278" y="4137991"/>
+            <a:ext cx="1" cy="646040"/>
+          </a:xfrm>
+          <a:prstGeom prst="straightConnector1">
+            <a:avLst/>
+          </a:prstGeom>
+          <a:ln>
+            <a:tailEnd type="triangle"/>
+          </a:ln>
+        </p:spPr>
+        <p:style>
+          <a:lnRef idx="1">
+            <a:schemeClr val="accent1"/>
+          </a:lnRef>
+          <a:fillRef idx="0">
+            <a:schemeClr val="accent1"/>
+          </a:fillRef>
+          <a:effectRef idx="0">
+            <a:schemeClr val="accent1"/>
+          </a:effectRef>
+          <a:fontRef idx="minor">
+            <a:schemeClr val="tx1"/>
+          </a:fontRef>
+        </p:style>
+      </p:cxnSp>
+      <p:sp>
+        <p:nvSpPr>
+          <p:cNvPr id="22" name="矩形 21">
+            <a:extLst>
+              <a:ext uri="{FF2B5EF4-FFF2-40B4-BE49-F238E27FC236}">
+                <a16:creationId xmlns:a16="http://schemas.microsoft.com/office/drawing/2014/main" id="{3251D9CD-4619-466E-8E24-7CC38CC3F415}"/>
+              </a:ext>
+            </a:extLst>
+          </p:cNvPr>
+          <p:cNvSpPr/>
+          <p:nvPr/>
+        </p:nvSpPr>
+        <p:spPr>
+          <a:xfrm>
+            <a:off x="4567651" y="4784031"/>
+            <a:ext cx="2504661" cy="1417983"/>
+          </a:xfrm>
+          <a:prstGeom prst="rect">
+            <a:avLst/>
+          </a:prstGeom>
+        </p:spPr>
+        <p:style>
+          <a:lnRef idx="2">
+            <a:schemeClr val="accent1">
+              <a:shade val="50000"/>
+            </a:schemeClr>
+          </a:lnRef>
+          <a:fillRef idx="1">
+            <a:schemeClr val="accent1"/>
+          </a:fillRef>
+          <a:effectRef idx="0">
+            <a:schemeClr val="accent1"/>
+          </a:effectRef>
+          <a:fontRef idx="minor">
+            <a:schemeClr val="lt1"/>
+          </a:fontRef>
+        </p:style>
+        <p:txBody>
+          <a:bodyPr rtlCol="0" anchor="ctr"/>
+          <a:lstStyle/>
+          <a:p>
+            <a:pPr algn="ctr"/>
+            <a:r>
+              <a:rPr lang="en-US" altLang="zh-TW" dirty="0"/>
+              <a:t>Storage Blob</a:t>
+            </a:r>
+            <a:endParaRPr lang="zh-TW" altLang="en-US" dirty="0"/>
+          </a:p>
+        </p:txBody>
+      </p:sp>
+      <p:cxnSp>
+        <p:nvCxnSpPr>
+          <p:cNvPr id="23" name="直線單箭頭接點 22">
+            <a:extLst>
+              <a:ext uri="{FF2B5EF4-FFF2-40B4-BE49-F238E27FC236}">
+                <a16:creationId xmlns:a16="http://schemas.microsoft.com/office/drawing/2014/main" id="{E4494DF3-4BCB-43AF-ADC3-6878E59BD5E3}"/>
+              </a:ext>
+            </a:extLst>
+          </p:cNvPr>
+          <p:cNvCxnSpPr>
+            <a:cxnSpLocks/>
+            <a:stCxn id="16" idx="3"/>
+            <a:endCxn id="22" idx="1"/>
+          </p:cNvCxnSpPr>
+          <p:nvPr/>
+        </p:nvCxnSpPr>
+        <p:spPr>
+          <a:xfrm>
+            <a:off x="3710608" y="5493023"/>
+            <a:ext cx="857043" cy="0"/>
+          </a:xfrm>
+          <a:prstGeom prst="straightConnector1">
+            <a:avLst/>
+          </a:prstGeom>
+          <a:ln>
+            <a:tailEnd type="triangle"/>
+          </a:ln>
+        </p:spPr>
+        <p:style>
+          <a:lnRef idx="1">
+            <a:schemeClr val="accent1"/>
+          </a:lnRef>
+          <a:fillRef idx="0">
+            <a:schemeClr val="accent1"/>
+          </a:fillRef>
+          <a:effectRef idx="0">
+            <a:schemeClr val="accent1"/>
+          </a:effectRef>
+          <a:fontRef idx="minor">
+            <a:schemeClr val="tx1"/>
+          </a:fontRef>
+        </p:style>
+      </p:cxnSp>
+      <p:sp>
+        <p:nvSpPr>
+          <p:cNvPr id="26" name="矩形 25">
+            <a:extLst>
+              <a:ext uri="{FF2B5EF4-FFF2-40B4-BE49-F238E27FC236}">
+                <a16:creationId xmlns:a16="http://schemas.microsoft.com/office/drawing/2014/main" id="{CC917AA8-B9F4-4B33-9B96-FD7AA4B0706F}"/>
+              </a:ext>
+            </a:extLst>
+          </p:cNvPr>
+          <p:cNvSpPr/>
+          <p:nvPr/>
+        </p:nvSpPr>
+        <p:spPr>
+          <a:xfrm>
+            <a:off x="980662" y="2365512"/>
+            <a:ext cx="3086835" cy="4085714"/>
+          </a:xfrm>
+          <a:prstGeom prst="rect">
+            <a:avLst/>
+          </a:prstGeom>
+          <a:noFill/>
+          <a:ln w="9525" cap="flat" cmpd="sng" algn="ctr">
+            <a:solidFill>
+              <a:schemeClr val="accent5"/>
+            </a:solidFill>
+            <a:prstDash val="solid"/>
+            <a:round/>
+            <a:headEnd type="none" w="med" len="med"/>
+            <a:tailEnd type="none" w="med" len="med"/>
+          </a:ln>
+        </p:spPr>
+        <p:style>
+          <a:lnRef idx="0">
+            <a:scrgbClr r="0" g="0" b="0"/>
+          </a:lnRef>
+          <a:fillRef idx="0">
+            <a:scrgbClr r="0" g="0" b="0"/>
+          </a:fillRef>
+          <a:effectRef idx="0">
+            <a:scrgbClr r="0" g="0" b="0"/>
+          </a:effectRef>
+          <a:fontRef idx="minor">
+            <a:schemeClr val="accent5"/>
+          </a:fontRef>
+        </p:style>
+        <p:txBody>
+          <a:bodyPr rtlCol="0" anchor="ctr"/>
+          <a:lstStyle/>
+          <a:p>
+            <a:pPr algn="ctr"/>
+            <a:endParaRPr lang="zh-TW" altLang="en-US"/>
+          </a:p>
+        </p:txBody>
+      </p:sp>
+      <p:sp>
+        <p:nvSpPr>
+          <p:cNvPr id="16" name="矩形 4">
+            <a:extLst>
+              <a:ext uri="{FF2B5EF4-FFF2-40B4-BE49-F238E27FC236}">
+                <a16:creationId xmlns:a16="http://schemas.microsoft.com/office/drawing/2014/main" id="{11C6FD80-D0F6-49FC-84BA-8D17ADBCE5AC}"/>
+              </a:ext>
+            </a:extLst>
+          </p:cNvPr>
+          <p:cNvSpPr/>
+          <p:nvPr/>
+        </p:nvSpPr>
+        <p:spPr>
+          <a:xfrm>
+            <a:off x="1205947" y="4784031"/>
+            <a:ext cx="2504661" cy="1417983"/>
+          </a:xfrm>
+          <a:prstGeom prst="rect">
+            <a:avLst/>
+          </a:prstGeom>
+        </p:spPr>
+        <p:style>
+          <a:lnRef idx="2">
+            <a:schemeClr val="accent1">
+              <a:shade val="50000"/>
+            </a:schemeClr>
+          </a:lnRef>
+          <a:fillRef idx="1">
+            <a:schemeClr val="accent1"/>
+          </a:fillRef>
+          <a:effectRef idx="0">
+            <a:schemeClr val="accent1"/>
+          </a:effectRef>
+          <a:fontRef idx="minor">
+            <a:schemeClr val="lt1"/>
+          </a:fontRef>
+        </p:style>
+        <p:txBody>
+          <a:bodyPr rtlCol="0" anchor="ctr"/>
+          <a:lstStyle/>
+          <a:p>
+            <a:pPr algn="ctr"/>
+            <a:r>
+              <a:rPr lang="en-US" altLang="zh-TW" dirty="0"/>
+              <a:t>Split Messages</a:t>
+            </a:r>
+            <a:endParaRPr lang="zh-TW" altLang="en-US" dirty="0"/>
+          </a:p>
+        </p:txBody>
+      </p:sp>
+    </p:spTree>
+    <p:extLst>
+      <p:ext uri="{BB962C8B-B14F-4D97-AF65-F5344CB8AC3E}">
+        <p14:creationId xmlns:p14="http://schemas.microsoft.com/office/powerpoint/2010/main" val="1187691408"/>
       </p:ext>
     </p:extLst>
   </p:cSld>

--- a/doc/contoso-receiver-adapter.pptx
+++ b/doc/contoso-receiver-adapter.pptx
@@ -9,6 +9,10 @@
     <p:sldId id="257" r:id="rId3"/>
     <p:sldId id="259" r:id="rId4"/>
     <p:sldId id="260" r:id="rId5"/>
+    <p:sldId id="261" r:id="rId6"/>
+    <p:sldId id="262" r:id="rId7"/>
+    <p:sldId id="263" r:id="rId8"/>
+    <p:sldId id="264" r:id="rId9"/>
   </p:sldIdLst>
   <p:sldSz cx="12192000" cy="6858000"/>
   <p:notesSz cx="6858000" cy="9144000"/>
@@ -4497,6 +4501,1145 @@
 </p:sld>
 </file>
 
+<file path=ppt/slides/slide5.xml><?xml version="1.0" encoding="utf-8"?>
+<p:sld xmlns:a="http://schemas.openxmlformats.org/drawingml/2006/main" xmlns:r="http://schemas.openxmlformats.org/officeDocument/2006/relationships" xmlns:p="http://schemas.openxmlformats.org/presentationml/2006/main">
+  <p:cSld>
+    <p:spTree>
+      <p:nvGrpSpPr>
+        <p:cNvPr id="1" name=""/>
+        <p:cNvGrpSpPr/>
+        <p:nvPr/>
+      </p:nvGrpSpPr>
+      <p:grpSpPr>
+        <a:xfrm>
+          <a:off x="0" y="0"/>
+          <a:ext cx="0" cy="0"/>
+          <a:chOff x="0" y="0"/>
+          <a:chExt cx="0" cy="0"/>
+        </a:xfrm>
+      </p:grpSpPr>
+      <p:sp>
+        <p:nvSpPr>
+          <p:cNvPr id="2" name="Title 1">
+            <a:extLst>
+              <a:ext uri="{FF2B5EF4-FFF2-40B4-BE49-F238E27FC236}">
+                <a16:creationId xmlns:a16="http://schemas.microsoft.com/office/drawing/2014/main" id="{218F396E-FC8E-4497-972D-5E37BD75B6AF}"/>
+              </a:ext>
+            </a:extLst>
+          </p:cNvPr>
+          <p:cNvSpPr>
+            <a:spLocks noGrp="1"/>
+          </p:cNvSpPr>
+          <p:nvPr>
+            <p:ph type="ctrTitle"/>
+          </p:nvPr>
+        </p:nvSpPr>
+        <p:spPr/>
+        <p:txBody>
+          <a:bodyPr/>
+          <a:lstStyle/>
+          <a:p>
+            <a:r>
+              <a:rPr lang="en-US" altLang="zh-TW" dirty="0"/>
+              <a:t>Business Flow</a:t>
+            </a:r>
+            <a:endParaRPr lang="en-US" dirty="0"/>
+          </a:p>
+        </p:txBody>
+      </p:sp>
+      <p:sp>
+        <p:nvSpPr>
+          <p:cNvPr id="3" name="Subtitle 2">
+            <a:extLst>
+              <a:ext uri="{FF2B5EF4-FFF2-40B4-BE49-F238E27FC236}">
+                <a16:creationId xmlns:a16="http://schemas.microsoft.com/office/drawing/2014/main" id="{A9A5A540-AA88-4AAA-9347-1D205CC00D30}"/>
+              </a:ext>
+            </a:extLst>
+          </p:cNvPr>
+          <p:cNvSpPr>
+            <a:spLocks noGrp="1"/>
+          </p:cNvSpPr>
+          <p:nvPr>
+            <p:ph type="subTitle" idx="1"/>
+          </p:nvPr>
+        </p:nvSpPr>
+        <p:spPr/>
+        <p:txBody>
+          <a:bodyPr/>
+          <a:lstStyle/>
+          <a:p>
+            <a:endParaRPr lang="en-US"/>
+          </a:p>
+        </p:txBody>
+      </p:sp>
+    </p:spTree>
+    <p:extLst>
+      <p:ext uri="{BB962C8B-B14F-4D97-AF65-F5344CB8AC3E}">
+        <p14:creationId xmlns:p14="http://schemas.microsoft.com/office/powerpoint/2010/main" val="3606352050"/>
+      </p:ext>
+    </p:extLst>
+  </p:cSld>
+  <p:clrMapOvr>
+    <a:masterClrMapping/>
+  </p:clrMapOvr>
+</p:sld>
+</file>
+
+<file path=ppt/slides/slide6.xml><?xml version="1.0" encoding="utf-8"?>
+<p:sld xmlns:a="http://schemas.openxmlformats.org/drawingml/2006/main" xmlns:r="http://schemas.openxmlformats.org/officeDocument/2006/relationships" xmlns:p="http://schemas.openxmlformats.org/presentationml/2006/main">
+  <p:cSld>
+    <p:spTree>
+      <p:nvGrpSpPr>
+        <p:cNvPr id="1" name=""/>
+        <p:cNvGrpSpPr/>
+        <p:nvPr/>
+      </p:nvGrpSpPr>
+      <p:grpSpPr>
+        <a:xfrm>
+          <a:off x="0" y="0"/>
+          <a:ext cx="0" cy="0"/>
+          <a:chOff x="0" y="0"/>
+          <a:chExt cx="0" cy="0"/>
+        </a:xfrm>
+      </p:grpSpPr>
+      <p:sp>
+        <p:nvSpPr>
+          <p:cNvPr id="4" name="Rectangle 3">
+            <a:extLst>
+              <a:ext uri="{FF2B5EF4-FFF2-40B4-BE49-F238E27FC236}">
+                <a16:creationId xmlns:a16="http://schemas.microsoft.com/office/drawing/2014/main" id="{94ECDC05-DE32-47F9-862C-9EEF7CD3799A}"/>
+              </a:ext>
+            </a:extLst>
+          </p:cNvPr>
+          <p:cNvSpPr/>
+          <p:nvPr/>
+        </p:nvSpPr>
+        <p:spPr>
+          <a:xfrm>
+            <a:off x="1401170" y="645994"/>
+            <a:ext cx="1596788" cy="1228299"/>
+          </a:xfrm>
+          <a:prstGeom prst="rect">
+            <a:avLst/>
+          </a:prstGeom>
+        </p:spPr>
+        <p:style>
+          <a:lnRef idx="2">
+            <a:schemeClr val="accent1">
+              <a:shade val="50000"/>
+            </a:schemeClr>
+          </a:lnRef>
+          <a:fillRef idx="1">
+            <a:schemeClr val="accent1"/>
+          </a:fillRef>
+          <a:effectRef idx="0">
+            <a:schemeClr val="accent1"/>
+          </a:effectRef>
+          <a:fontRef idx="minor">
+            <a:schemeClr val="lt1"/>
+          </a:fontRef>
+        </p:style>
+        <p:txBody>
+          <a:bodyPr rtlCol="0" anchor="ctr"/>
+          <a:lstStyle/>
+          <a:p>
+            <a:pPr algn="ctr"/>
+            <a:r>
+              <a:rPr lang="en-US" dirty="0"/>
+              <a:t>Service Bus Queue</a:t>
+            </a:r>
+          </a:p>
+        </p:txBody>
+      </p:sp>
+      <p:sp>
+        <p:nvSpPr>
+          <p:cNvPr id="5" name="Rectangle 4">
+            <a:extLst>
+              <a:ext uri="{FF2B5EF4-FFF2-40B4-BE49-F238E27FC236}">
+                <a16:creationId xmlns:a16="http://schemas.microsoft.com/office/drawing/2014/main" id="{50DF436D-352E-4ADC-AB12-D7C676D2976E}"/>
+              </a:ext>
+            </a:extLst>
+          </p:cNvPr>
+          <p:cNvSpPr/>
+          <p:nvPr/>
+        </p:nvSpPr>
+        <p:spPr>
+          <a:xfrm>
+            <a:off x="1401170" y="2563505"/>
+            <a:ext cx="1596788" cy="1228299"/>
+          </a:xfrm>
+          <a:prstGeom prst="rect">
+            <a:avLst/>
+          </a:prstGeom>
+        </p:spPr>
+        <p:style>
+          <a:lnRef idx="2">
+            <a:schemeClr val="accent1">
+              <a:shade val="50000"/>
+            </a:schemeClr>
+          </a:lnRef>
+          <a:fillRef idx="1">
+            <a:schemeClr val="accent1"/>
+          </a:fillRef>
+          <a:effectRef idx="0">
+            <a:schemeClr val="accent1"/>
+          </a:effectRef>
+          <a:fontRef idx="minor">
+            <a:schemeClr val="lt1"/>
+          </a:fontRef>
+        </p:style>
+        <p:txBody>
+          <a:bodyPr rtlCol="0" anchor="ctr"/>
+          <a:lstStyle/>
+          <a:p>
+            <a:pPr algn="ctr"/>
+            <a:r>
+              <a:rPr lang="en-US" dirty="0"/>
+              <a:t>Timer Trigger</a:t>
+            </a:r>
+          </a:p>
+        </p:txBody>
+      </p:sp>
+      <p:sp>
+        <p:nvSpPr>
+          <p:cNvPr id="6" name="Rectangle 5">
+            <a:extLst>
+              <a:ext uri="{FF2B5EF4-FFF2-40B4-BE49-F238E27FC236}">
+                <a16:creationId xmlns:a16="http://schemas.microsoft.com/office/drawing/2014/main" id="{6752F441-6FE2-47DD-953E-4F711155EEC9}"/>
+              </a:ext>
+            </a:extLst>
+          </p:cNvPr>
+          <p:cNvSpPr/>
+          <p:nvPr/>
+        </p:nvSpPr>
+        <p:spPr>
+          <a:xfrm>
+            <a:off x="1401170" y="4572001"/>
+            <a:ext cx="1596788" cy="1228299"/>
+          </a:xfrm>
+          <a:prstGeom prst="rect">
+            <a:avLst/>
+          </a:prstGeom>
+        </p:spPr>
+        <p:style>
+          <a:lnRef idx="2">
+            <a:schemeClr val="accent1">
+              <a:shade val="50000"/>
+            </a:schemeClr>
+          </a:lnRef>
+          <a:fillRef idx="1">
+            <a:schemeClr val="accent1"/>
+          </a:fillRef>
+          <a:effectRef idx="0">
+            <a:schemeClr val="accent1"/>
+          </a:effectRef>
+          <a:fontRef idx="minor">
+            <a:schemeClr val="lt1"/>
+          </a:fontRef>
+        </p:style>
+        <p:txBody>
+          <a:bodyPr rtlCol="0" anchor="ctr"/>
+          <a:lstStyle/>
+          <a:p>
+            <a:pPr algn="ctr"/>
+            <a:r>
+              <a:rPr lang="en-US" dirty="0"/>
+              <a:t>Invoke Backend API</a:t>
+            </a:r>
+          </a:p>
+        </p:txBody>
+      </p:sp>
+      <p:sp>
+        <p:nvSpPr>
+          <p:cNvPr id="7" name="Rectangle 6">
+            <a:extLst>
+              <a:ext uri="{FF2B5EF4-FFF2-40B4-BE49-F238E27FC236}">
+                <a16:creationId xmlns:a16="http://schemas.microsoft.com/office/drawing/2014/main" id="{E8D63868-ED9E-491E-B5B6-1CAF33835C67}"/>
+              </a:ext>
+            </a:extLst>
+          </p:cNvPr>
+          <p:cNvSpPr/>
+          <p:nvPr/>
+        </p:nvSpPr>
+        <p:spPr>
+          <a:xfrm>
+            <a:off x="4069307" y="4572001"/>
+            <a:ext cx="1596788" cy="1228299"/>
+          </a:xfrm>
+          <a:prstGeom prst="rect">
+            <a:avLst/>
+          </a:prstGeom>
+        </p:spPr>
+        <p:style>
+          <a:lnRef idx="2">
+            <a:schemeClr val="accent1">
+              <a:shade val="50000"/>
+            </a:schemeClr>
+          </a:lnRef>
+          <a:fillRef idx="1">
+            <a:schemeClr val="accent1"/>
+          </a:fillRef>
+          <a:effectRef idx="0">
+            <a:schemeClr val="accent1"/>
+          </a:effectRef>
+          <a:fontRef idx="minor">
+            <a:schemeClr val="lt1"/>
+          </a:fontRef>
+        </p:style>
+        <p:txBody>
+          <a:bodyPr rtlCol="0" anchor="ctr"/>
+          <a:lstStyle/>
+          <a:p>
+            <a:pPr algn="ctr"/>
+            <a:r>
+              <a:rPr lang="en-US" dirty="0"/>
+              <a:t>Send to Service Bus Queue</a:t>
+            </a:r>
+          </a:p>
+        </p:txBody>
+      </p:sp>
+      <p:sp>
+        <p:nvSpPr>
+          <p:cNvPr id="8" name="Rectangle 7">
+            <a:extLst>
+              <a:ext uri="{FF2B5EF4-FFF2-40B4-BE49-F238E27FC236}">
+                <a16:creationId xmlns:a16="http://schemas.microsoft.com/office/drawing/2014/main" id="{E60B310D-D512-4F78-B620-CB04E2E5BDAC}"/>
+              </a:ext>
+            </a:extLst>
+          </p:cNvPr>
+          <p:cNvSpPr/>
+          <p:nvPr/>
+        </p:nvSpPr>
+        <p:spPr>
+          <a:xfrm>
+            <a:off x="987188" y="2101755"/>
+            <a:ext cx="5472752" cy="4353636"/>
+          </a:xfrm>
+          <a:prstGeom prst="rect">
+            <a:avLst/>
+          </a:prstGeom>
+          <a:noFill/>
+          <a:ln w="9525" cap="flat" cmpd="sng" algn="ctr">
+            <a:solidFill>
+              <a:schemeClr val="accent5"/>
+            </a:solidFill>
+            <a:prstDash val="solid"/>
+            <a:round/>
+            <a:headEnd type="none" w="med" len="med"/>
+            <a:tailEnd type="none" w="med" len="med"/>
+          </a:ln>
+        </p:spPr>
+        <p:style>
+          <a:lnRef idx="0">
+            <a:scrgbClr r="0" g="0" b="0"/>
+          </a:lnRef>
+          <a:fillRef idx="0">
+            <a:scrgbClr r="0" g="0" b="0"/>
+          </a:fillRef>
+          <a:effectRef idx="0">
+            <a:scrgbClr r="0" g="0" b="0"/>
+          </a:effectRef>
+          <a:fontRef idx="minor">
+            <a:schemeClr val="accent5"/>
+          </a:fontRef>
+        </p:style>
+        <p:txBody>
+          <a:bodyPr rtlCol="0" anchor="ctr"/>
+          <a:lstStyle/>
+          <a:p>
+            <a:pPr algn="ctr"/>
+            <a:endParaRPr lang="en-US"/>
+          </a:p>
+        </p:txBody>
+      </p:sp>
+      <p:cxnSp>
+        <p:nvCxnSpPr>
+          <p:cNvPr id="10" name="Straight Arrow Connector 9">
+            <a:extLst>
+              <a:ext uri="{FF2B5EF4-FFF2-40B4-BE49-F238E27FC236}">
+                <a16:creationId xmlns:a16="http://schemas.microsoft.com/office/drawing/2014/main" id="{FE17A927-EDCE-4366-9C5A-FED40B5011D2}"/>
+              </a:ext>
+            </a:extLst>
+          </p:cNvPr>
+          <p:cNvCxnSpPr>
+            <a:stCxn id="4" idx="2"/>
+            <a:endCxn id="5" idx="0"/>
+          </p:cNvCxnSpPr>
+          <p:nvPr/>
+        </p:nvCxnSpPr>
+        <p:spPr>
+          <a:xfrm>
+            <a:off x="2199564" y="1874293"/>
+            <a:ext cx="0" cy="689212"/>
+          </a:xfrm>
+          <a:prstGeom prst="straightConnector1">
+            <a:avLst/>
+          </a:prstGeom>
+          <a:ln>
+            <a:tailEnd type="triangle"/>
+          </a:ln>
+        </p:spPr>
+        <p:style>
+          <a:lnRef idx="1">
+            <a:schemeClr val="accent1"/>
+          </a:lnRef>
+          <a:fillRef idx="0">
+            <a:schemeClr val="accent1"/>
+          </a:fillRef>
+          <a:effectRef idx="0">
+            <a:schemeClr val="accent1"/>
+          </a:effectRef>
+          <a:fontRef idx="minor">
+            <a:schemeClr val="tx1"/>
+          </a:fontRef>
+        </p:style>
+      </p:cxnSp>
+      <p:cxnSp>
+        <p:nvCxnSpPr>
+          <p:cNvPr id="12" name="Straight Arrow Connector 11">
+            <a:extLst>
+              <a:ext uri="{FF2B5EF4-FFF2-40B4-BE49-F238E27FC236}">
+                <a16:creationId xmlns:a16="http://schemas.microsoft.com/office/drawing/2014/main" id="{5DC4D4EE-733F-400F-B727-1A9EC8D9A4B5}"/>
+              </a:ext>
+            </a:extLst>
+          </p:cNvPr>
+          <p:cNvCxnSpPr>
+            <a:stCxn id="5" idx="2"/>
+            <a:endCxn id="6" idx="0"/>
+          </p:cNvCxnSpPr>
+          <p:nvPr/>
+        </p:nvCxnSpPr>
+        <p:spPr>
+          <a:xfrm>
+            <a:off x="2199564" y="3791804"/>
+            <a:ext cx="0" cy="780197"/>
+          </a:xfrm>
+          <a:prstGeom prst="straightConnector1">
+            <a:avLst/>
+          </a:prstGeom>
+          <a:ln>
+            <a:tailEnd type="triangle"/>
+          </a:ln>
+        </p:spPr>
+        <p:style>
+          <a:lnRef idx="1">
+            <a:schemeClr val="accent1"/>
+          </a:lnRef>
+          <a:fillRef idx="0">
+            <a:schemeClr val="accent1"/>
+          </a:fillRef>
+          <a:effectRef idx="0">
+            <a:schemeClr val="accent1"/>
+          </a:effectRef>
+          <a:fontRef idx="minor">
+            <a:schemeClr val="tx1"/>
+          </a:fontRef>
+        </p:style>
+      </p:cxnSp>
+      <p:cxnSp>
+        <p:nvCxnSpPr>
+          <p:cNvPr id="14" name="Straight Arrow Connector 13">
+            <a:extLst>
+              <a:ext uri="{FF2B5EF4-FFF2-40B4-BE49-F238E27FC236}">
+                <a16:creationId xmlns:a16="http://schemas.microsoft.com/office/drawing/2014/main" id="{CA669DFB-84B3-4A9B-9CD4-8E777F024FB3}"/>
+              </a:ext>
+            </a:extLst>
+          </p:cNvPr>
+          <p:cNvCxnSpPr>
+            <a:stCxn id="6" idx="3"/>
+            <a:endCxn id="7" idx="1"/>
+          </p:cNvCxnSpPr>
+          <p:nvPr/>
+        </p:nvCxnSpPr>
+        <p:spPr>
+          <a:xfrm>
+            <a:off x="2997958" y="5186151"/>
+            <a:ext cx="1071349" cy="0"/>
+          </a:xfrm>
+          <a:prstGeom prst="straightConnector1">
+            <a:avLst/>
+          </a:prstGeom>
+          <a:ln>
+            <a:tailEnd type="triangle"/>
+          </a:ln>
+        </p:spPr>
+        <p:style>
+          <a:lnRef idx="1">
+            <a:schemeClr val="accent1"/>
+          </a:lnRef>
+          <a:fillRef idx="0">
+            <a:schemeClr val="accent1"/>
+          </a:fillRef>
+          <a:effectRef idx="0">
+            <a:schemeClr val="accent1"/>
+          </a:effectRef>
+          <a:fontRef idx="minor">
+            <a:schemeClr val="tx1"/>
+          </a:fontRef>
+        </p:style>
+      </p:cxnSp>
+      <p:sp>
+        <p:nvSpPr>
+          <p:cNvPr id="15" name="Rectangle 14">
+            <a:extLst>
+              <a:ext uri="{FF2B5EF4-FFF2-40B4-BE49-F238E27FC236}">
+                <a16:creationId xmlns:a16="http://schemas.microsoft.com/office/drawing/2014/main" id="{AF559FFC-D44A-404E-B793-6F85D93D66F6}"/>
+              </a:ext>
+            </a:extLst>
+          </p:cNvPr>
+          <p:cNvSpPr/>
+          <p:nvPr/>
+        </p:nvSpPr>
+        <p:spPr>
+          <a:xfrm>
+            <a:off x="4069307" y="2563504"/>
+            <a:ext cx="1596788" cy="1228299"/>
+          </a:xfrm>
+          <a:prstGeom prst="rect">
+            <a:avLst/>
+          </a:prstGeom>
+        </p:spPr>
+        <p:style>
+          <a:lnRef idx="2">
+            <a:schemeClr val="accent1">
+              <a:shade val="50000"/>
+            </a:schemeClr>
+          </a:lnRef>
+          <a:fillRef idx="1">
+            <a:schemeClr val="accent1"/>
+          </a:fillRef>
+          <a:effectRef idx="0">
+            <a:schemeClr val="accent1"/>
+          </a:effectRef>
+          <a:fontRef idx="minor">
+            <a:schemeClr val="lt1"/>
+          </a:fontRef>
+        </p:style>
+        <p:txBody>
+          <a:bodyPr rtlCol="0" anchor="ctr"/>
+          <a:lstStyle/>
+          <a:p>
+            <a:pPr algn="ctr"/>
+            <a:r>
+              <a:rPr lang="en-US" dirty="0"/>
+              <a:t>Error Handler</a:t>
+            </a:r>
+          </a:p>
+        </p:txBody>
+      </p:sp>
+      <p:cxnSp>
+        <p:nvCxnSpPr>
+          <p:cNvPr id="17" name="Connector: Elbow 16">
+            <a:extLst>
+              <a:ext uri="{FF2B5EF4-FFF2-40B4-BE49-F238E27FC236}">
+                <a16:creationId xmlns:a16="http://schemas.microsoft.com/office/drawing/2014/main" id="{60F30F9A-F34A-44EA-9CAC-20F5F7858EB2}"/>
+              </a:ext>
+            </a:extLst>
+          </p:cNvPr>
+          <p:cNvCxnSpPr>
+            <a:stCxn id="6" idx="3"/>
+            <a:endCxn id="15" idx="1"/>
+          </p:cNvCxnSpPr>
+          <p:nvPr/>
+        </p:nvCxnSpPr>
+        <p:spPr>
+          <a:xfrm flipV="1">
+            <a:off x="2997958" y="3177654"/>
+            <a:ext cx="1071349" cy="2008497"/>
+          </a:xfrm>
+          <a:prstGeom prst="bentConnector3">
+            <a:avLst/>
+          </a:prstGeom>
+          <a:ln>
+            <a:tailEnd type="triangle"/>
+          </a:ln>
+        </p:spPr>
+        <p:style>
+          <a:lnRef idx="1">
+            <a:schemeClr val="accent1"/>
+          </a:lnRef>
+          <a:fillRef idx="0">
+            <a:schemeClr val="accent1"/>
+          </a:fillRef>
+          <a:effectRef idx="0">
+            <a:schemeClr val="accent1"/>
+          </a:effectRef>
+          <a:fontRef idx="minor">
+            <a:schemeClr val="tx1"/>
+          </a:fontRef>
+        </p:style>
+      </p:cxnSp>
+    </p:spTree>
+    <p:extLst>
+      <p:ext uri="{BB962C8B-B14F-4D97-AF65-F5344CB8AC3E}">
+        <p14:creationId xmlns:p14="http://schemas.microsoft.com/office/powerpoint/2010/main" val="816875804"/>
+      </p:ext>
+    </p:extLst>
+  </p:cSld>
+  <p:clrMapOvr>
+    <a:masterClrMapping/>
+  </p:clrMapOvr>
+</p:sld>
+</file>
+
+<file path=ppt/slides/slide7.xml><?xml version="1.0" encoding="utf-8"?>
+<p:sld xmlns:a="http://schemas.openxmlformats.org/drawingml/2006/main" xmlns:r="http://schemas.openxmlformats.org/officeDocument/2006/relationships" xmlns:p="http://schemas.openxmlformats.org/presentationml/2006/main">
+  <p:cSld>
+    <p:spTree>
+      <p:nvGrpSpPr>
+        <p:cNvPr id="1" name=""/>
+        <p:cNvGrpSpPr/>
+        <p:nvPr/>
+      </p:nvGrpSpPr>
+      <p:grpSpPr>
+        <a:xfrm>
+          <a:off x="0" y="0"/>
+          <a:ext cx="0" cy="0"/>
+          <a:chOff x="0" y="0"/>
+          <a:chExt cx="0" cy="0"/>
+        </a:xfrm>
+      </p:grpSpPr>
+      <p:sp>
+        <p:nvSpPr>
+          <p:cNvPr id="2" name="Title 1">
+            <a:extLst>
+              <a:ext uri="{FF2B5EF4-FFF2-40B4-BE49-F238E27FC236}">
+                <a16:creationId xmlns:a16="http://schemas.microsoft.com/office/drawing/2014/main" id="{218F396E-FC8E-4497-972D-5E37BD75B6AF}"/>
+              </a:ext>
+            </a:extLst>
+          </p:cNvPr>
+          <p:cNvSpPr>
+            <a:spLocks noGrp="1"/>
+          </p:cNvSpPr>
+          <p:nvPr>
+            <p:ph type="ctrTitle"/>
+          </p:nvPr>
+        </p:nvSpPr>
+        <p:spPr/>
+        <p:txBody>
+          <a:bodyPr/>
+          <a:lstStyle/>
+          <a:p>
+            <a:r>
+              <a:rPr lang="en-US" altLang="zh-TW" dirty="0"/>
+              <a:t>Azure AD Protected API</a:t>
+            </a:r>
+            <a:endParaRPr lang="en-US" dirty="0"/>
+          </a:p>
+        </p:txBody>
+      </p:sp>
+      <p:sp>
+        <p:nvSpPr>
+          <p:cNvPr id="3" name="Subtitle 2">
+            <a:extLst>
+              <a:ext uri="{FF2B5EF4-FFF2-40B4-BE49-F238E27FC236}">
+                <a16:creationId xmlns:a16="http://schemas.microsoft.com/office/drawing/2014/main" id="{A9A5A540-AA88-4AAA-9347-1D205CC00D30}"/>
+              </a:ext>
+            </a:extLst>
+          </p:cNvPr>
+          <p:cNvSpPr>
+            <a:spLocks noGrp="1"/>
+          </p:cNvSpPr>
+          <p:nvPr>
+            <p:ph type="subTitle" idx="1"/>
+          </p:nvPr>
+        </p:nvSpPr>
+        <p:spPr/>
+        <p:txBody>
+          <a:bodyPr/>
+          <a:lstStyle/>
+          <a:p>
+            <a:endParaRPr lang="en-US"/>
+          </a:p>
+        </p:txBody>
+      </p:sp>
+    </p:spTree>
+    <p:extLst>
+      <p:ext uri="{BB962C8B-B14F-4D97-AF65-F5344CB8AC3E}">
+        <p14:creationId xmlns:p14="http://schemas.microsoft.com/office/powerpoint/2010/main" val="294752366"/>
+      </p:ext>
+    </p:extLst>
+  </p:cSld>
+  <p:clrMapOvr>
+    <a:masterClrMapping/>
+  </p:clrMapOvr>
+</p:sld>
+</file>
+
+<file path=ppt/slides/slide8.xml><?xml version="1.0" encoding="utf-8"?>
+<p:sld xmlns:a="http://schemas.openxmlformats.org/drawingml/2006/main" xmlns:r="http://schemas.openxmlformats.org/officeDocument/2006/relationships" xmlns:p="http://schemas.openxmlformats.org/presentationml/2006/main">
+  <p:cSld>
+    <p:spTree>
+      <p:nvGrpSpPr>
+        <p:cNvPr id="1" name=""/>
+        <p:cNvGrpSpPr/>
+        <p:nvPr/>
+      </p:nvGrpSpPr>
+      <p:grpSpPr>
+        <a:xfrm>
+          <a:off x="0" y="0"/>
+          <a:ext cx="0" cy="0"/>
+          <a:chOff x="0" y="0"/>
+          <a:chExt cx="0" cy="0"/>
+        </a:xfrm>
+      </p:grpSpPr>
+      <p:sp>
+        <p:nvSpPr>
+          <p:cNvPr id="4" name="Rectangle 3">
+            <a:extLst>
+              <a:ext uri="{FF2B5EF4-FFF2-40B4-BE49-F238E27FC236}">
+                <a16:creationId xmlns:a16="http://schemas.microsoft.com/office/drawing/2014/main" id="{C94135F5-73BE-457A-9A0E-F017F94E4BC0}"/>
+              </a:ext>
+            </a:extLst>
+          </p:cNvPr>
+          <p:cNvSpPr/>
+          <p:nvPr/>
+        </p:nvSpPr>
+        <p:spPr>
+          <a:xfrm>
+            <a:off x="2433851" y="748350"/>
+            <a:ext cx="2038065" cy="1605887"/>
+          </a:xfrm>
+          <a:prstGeom prst="rect">
+            <a:avLst/>
+          </a:prstGeom>
+        </p:spPr>
+        <p:style>
+          <a:lnRef idx="2">
+            <a:schemeClr val="accent1">
+              <a:shade val="50000"/>
+            </a:schemeClr>
+          </a:lnRef>
+          <a:fillRef idx="1">
+            <a:schemeClr val="accent1"/>
+          </a:fillRef>
+          <a:effectRef idx="0">
+            <a:schemeClr val="accent1"/>
+          </a:effectRef>
+          <a:fontRef idx="minor">
+            <a:schemeClr val="lt1"/>
+          </a:fontRef>
+        </p:style>
+        <p:txBody>
+          <a:bodyPr rtlCol="0" anchor="ctr"/>
+          <a:lstStyle/>
+          <a:p>
+            <a:pPr algn="ctr"/>
+            <a:r>
+              <a:rPr lang="en-US" dirty="0"/>
+              <a:t>Front End</a:t>
+            </a:r>
+          </a:p>
+        </p:txBody>
+      </p:sp>
+      <p:sp>
+        <p:nvSpPr>
+          <p:cNvPr id="5" name="Rectangle 4">
+            <a:extLst>
+              <a:ext uri="{FF2B5EF4-FFF2-40B4-BE49-F238E27FC236}">
+                <a16:creationId xmlns:a16="http://schemas.microsoft.com/office/drawing/2014/main" id="{4570A06C-FDE0-476D-AD4E-899ECD256B49}"/>
+              </a:ext>
+            </a:extLst>
+          </p:cNvPr>
+          <p:cNvSpPr/>
+          <p:nvPr/>
+        </p:nvSpPr>
+        <p:spPr>
+          <a:xfrm>
+            <a:off x="5311253" y="748351"/>
+            <a:ext cx="2038065" cy="1605887"/>
+          </a:xfrm>
+          <a:prstGeom prst="rect">
+            <a:avLst/>
+          </a:prstGeom>
+        </p:spPr>
+        <p:style>
+          <a:lnRef idx="2">
+            <a:schemeClr val="accent1">
+              <a:shade val="50000"/>
+            </a:schemeClr>
+          </a:lnRef>
+          <a:fillRef idx="1">
+            <a:schemeClr val="accent1"/>
+          </a:fillRef>
+          <a:effectRef idx="0">
+            <a:schemeClr val="accent1"/>
+          </a:effectRef>
+          <a:fontRef idx="minor">
+            <a:schemeClr val="lt1"/>
+          </a:fontRef>
+        </p:style>
+        <p:txBody>
+          <a:bodyPr rtlCol="0" anchor="ctr"/>
+          <a:lstStyle/>
+          <a:p>
+            <a:pPr algn="ctr"/>
+            <a:r>
+              <a:rPr lang="en-US" dirty="0"/>
+              <a:t>Backend API</a:t>
+            </a:r>
+          </a:p>
+        </p:txBody>
+      </p:sp>
+      <p:grpSp>
+        <p:nvGrpSpPr>
+          <p:cNvPr id="8" name="Group 7">
+            <a:extLst>
+              <a:ext uri="{FF2B5EF4-FFF2-40B4-BE49-F238E27FC236}">
+                <a16:creationId xmlns:a16="http://schemas.microsoft.com/office/drawing/2014/main" id="{D7A7171B-25B2-4E2D-B3C1-79C59BEB2B19}"/>
+              </a:ext>
+            </a:extLst>
+          </p:cNvPr>
+          <p:cNvGrpSpPr/>
+          <p:nvPr/>
+        </p:nvGrpSpPr>
+        <p:grpSpPr>
+          <a:xfrm>
+            <a:off x="4713027" y="336645"/>
+            <a:ext cx="3120788" cy="6475861"/>
+            <a:chOff x="4713027" y="336645"/>
+            <a:chExt cx="3120788" cy="2631482"/>
+          </a:xfrm>
+        </p:grpSpPr>
+        <p:sp>
+          <p:nvSpPr>
+            <p:cNvPr id="6" name="Rectangle 5">
+              <a:extLst>
+                <a:ext uri="{FF2B5EF4-FFF2-40B4-BE49-F238E27FC236}">
+                  <a16:creationId xmlns:a16="http://schemas.microsoft.com/office/drawing/2014/main" id="{9751403E-7DCF-4730-A295-BD1ABBCF6D47}"/>
+                </a:ext>
+              </a:extLst>
+            </p:cNvPr>
+            <p:cNvSpPr/>
+            <p:nvPr/>
+          </p:nvSpPr>
+          <p:spPr>
+            <a:xfrm>
+              <a:off x="4713027" y="336645"/>
+              <a:ext cx="3120788" cy="2429301"/>
+            </a:xfrm>
+            <a:prstGeom prst="rect">
+              <a:avLst/>
+            </a:prstGeom>
+            <a:noFill/>
+            <a:ln w="9525" cap="flat" cmpd="sng" algn="ctr">
+              <a:solidFill>
+                <a:schemeClr val="accent5"/>
+              </a:solidFill>
+              <a:prstDash val="solid"/>
+              <a:round/>
+              <a:headEnd type="none" w="med" len="med"/>
+              <a:tailEnd type="none" w="med" len="med"/>
+            </a:ln>
+          </p:spPr>
+          <p:style>
+            <a:lnRef idx="0">
+              <a:scrgbClr r="0" g="0" b="0"/>
+            </a:lnRef>
+            <a:fillRef idx="0">
+              <a:scrgbClr r="0" g="0" b="0"/>
+            </a:fillRef>
+            <a:effectRef idx="0">
+              <a:scrgbClr r="0" g="0" b="0"/>
+            </a:effectRef>
+            <a:fontRef idx="minor">
+              <a:schemeClr val="accent5"/>
+            </a:fontRef>
+          </p:style>
+          <p:txBody>
+            <a:bodyPr rtlCol="0" anchor="ctr"/>
+            <a:lstStyle/>
+            <a:p>
+              <a:pPr algn="ctr"/>
+              <a:endParaRPr lang="en-US"/>
+            </a:p>
+          </p:txBody>
+        </p:sp>
+        <p:sp>
+          <p:nvSpPr>
+            <p:cNvPr id="7" name="TextBox 6">
+              <a:extLst>
+                <a:ext uri="{FF2B5EF4-FFF2-40B4-BE49-F238E27FC236}">
+                  <a16:creationId xmlns:a16="http://schemas.microsoft.com/office/drawing/2014/main" id="{BD51495D-3B5C-445D-B4C9-9EB26D53C1BB}"/>
+                </a:ext>
+              </a:extLst>
+            </p:cNvPr>
+            <p:cNvSpPr txBox="1"/>
+            <p:nvPr/>
+          </p:nvSpPr>
+          <p:spPr>
+            <a:xfrm>
+              <a:off x="5211170" y="2598795"/>
+              <a:ext cx="2038065" cy="369332"/>
+            </a:xfrm>
+            <a:prstGeom prst="rect">
+              <a:avLst/>
+            </a:prstGeom>
+            <a:noFill/>
+          </p:spPr>
+          <p:txBody>
+            <a:bodyPr wrap="square" rtlCol="0">
+              <a:spAutoFit/>
+            </a:bodyPr>
+            <a:lstStyle/>
+            <a:p>
+              <a:pPr algn="ctr"/>
+              <a:r>
+                <a:rPr lang="en-US" dirty="0"/>
+                <a:t>Azure AD</a:t>
+              </a:r>
+            </a:p>
+          </p:txBody>
+        </p:sp>
+      </p:grpSp>
+      <p:cxnSp>
+        <p:nvCxnSpPr>
+          <p:cNvPr id="10" name="Straight Arrow Connector 9">
+            <a:extLst>
+              <a:ext uri="{FF2B5EF4-FFF2-40B4-BE49-F238E27FC236}">
+                <a16:creationId xmlns:a16="http://schemas.microsoft.com/office/drawing/2014/main" id="{F08A8108-83F5-4E98-BF2F-D2676062B081}"/>
+              </a:ext>
+            </a:extLst>
+          </p:cNvPr>
+          <p:cNvCxnSpPr>
+            <a:stCxn id="4" idx="3"/>
+            <a:endCxn id="5" idx="1"/>
+          </p:cNvCxnSpPr>
+          <p:nvPr/>
+        </p:nvCxnSpPr>
+        <p:spPr>
+          <a:xfrm>
+            <a:off x="4471916" y="1551294"/>
+            <a:ext cx="839337" cy="1"/>
+          </a:xfrm>
+          <a:prstGeom prst="straightConnector1">
+            <a:avLst/>
+          </a:prstGeom>
+          <a:ln>
+            <a:tailEnd type="triangle"/>
+          </a:ln>
+        </p:spPr>
+        <p:style>
+          <a:lnRef idx="1">
+            <a:schemeClr val="accent1"/>
+          </a:lnRef>
+          <a:fillRef idx="0">
+            <a:schemeClr val="accent1"/>
+          </a:fillRef>
+          <a:effectRef idx="0">
+            <a:schemeClr val="accent1"/>
+          </a:effectRef>
+          <a:fontRef idx="minor">
+            <a:schemeClr val="tx1"/>
+          </a:fontRef>
+        </p:style>
+      </p:cxnSp>
+      <p:sp>
+        <p:nvSpPr>
+          <p:cNvPr id="11" name="Rectangle 10">
+            <a:extLst>
+              <a:ext uri="{FF2B5EF4-FFF2-40B4-BE49-F238E27FC236}">
+                <a16:creationId xmlns:a16="http://schemas.microsoft.com/office/drawing/2014/main" id="{C2D4CF5B-3538-461B-B02C-5D119D7F589E}"/>
+              </a:ext>
+            </a:extLst>
+          </p:cNvPr>
+          <p:cNvSpPr/>
+          <p:nvPr/>
+        </p:nvSpPr>
+        <p:spPr>
+          <a:xfrm>
+            <a:off x="4872250" y="3828196"/>
+            <a:ext cx="1044053" cy="857535"/>
+          </a:xfrm>
+          <a:prstGeom prst="rect">
+            <a:avLst/>
+          </a:prstGeom>
+        </p:spPr>
+        <p:style>
+          <a:lnRef idx="2">
+            <a:schemeClr val="accent1">
+              <a:shade val="50000"/>
+            </a:schemeClr>
+          </a:lnRef>
+          <a:fillRef idx="1">
+            <a:schemeClr val="accent1"/>
+          </a:fillRef>
+          <a:effectRef idx="0">
+            <a:schemeClr val="accent1"/>
+          </a:effectRef>
+          <a:fontRef idx="minor">
+            <a:schemeClr val="lt1"/>
+          </a:fontRef>
+        </p:style>
+        <p:txBody>
+          <a:bodyPr rtlCol="0" anchor="ctr"/>
+          <a:lstStyle/>
+          <a:p>
+            <a:pPr algn="ctr"/>
+            <a:r>
+              <a:rPr lang="en-US" dirty="0"/>
+              <a:t>Azure AD Frontend App</a:t>
+            </a:r>
+          </a:p>
+        </p:txBody>
+      </p:sp>
+      <p:sp>
+        <p:nvSpPr>
+          <p:cNvPr id="12" name="Rectangle 11">
+            <a:extLst>
+              <a:ext uri="{FF2B5EF4-FFF2-40B4-BE49-F238E27FC236}">
+                <a16:creationId xmlns:a16="http://schemas.microsoft.com/office/drawing/2014/main" id="{524950BC-78B0-4870-A44F-CD9166FEC2D4}"/>
+              </a:ext>
+            </a:extLst>
+          </p:cNvPr>
+          <p:cNvSpPr/>
+          <p:nvPr/>
+        </p:nvSpPr>
+        <p:spPr>
+          <a:xfrm>
+            <a:off x="6582770" y="3828195"/>
+            <a:ext cx="1044053" cy="857535"/>
+          </a:xfrm>
+          <a:prstGeom prst="rect">
+            <a:avLst/>
+          </a:prstGeom>
+        </p:spPr>
+        <p:style>
+          <a:lnRef idx="2">
+            <a:schemeClr val="accent1">
+              <a:shade val="50000"/>
+            </a:schemeClr>
+          </a:lnRef>
+          <a:fillRef idx="1">
+            <a:schemeClr val="accent1"/>
+          </a:fillRef>
+          <a:effectRef idx="0">
+            <a:schemeClr val="accent1"/>
+          </a:effectRef>
+          <a:fontRef idx="minor">
+            <a:schemeClr val="lt1"/>
+          </a:fontRef>
+        </p:style>
+        <p:txBody>
+          <a:bodyPr rtlCol="0" anchor="ctr"/>
+          <a:lstStyle/>
+          <a:p>
+            <a:pPr algn="ctr"/>
+            <a:r>
+              <a:rPr lang="en-US" dirty="0"/>
+              <a:t>Azure AD Backend App</a:t>
+            </a:r>
+          </a:p>
+        </p:txBody>
+      </p:sp>
+      <p:cxnSp>
+        <p:nvCxnSpPr>
+          <p:cNvPr id="13" name="Straight Arrow Connector 12">
+            <a:extLst>
+              <a:ext uri="{FF2B5EF4-FFF2-40B4-BE49-F238E27FC236}">
+                <a16:creationId xmlns:a16="http://schemas.microsoft.com/office/drawing/2014/main" id="{5C026A80-0191-4854-9A2E-464B39706C4D}"/>
+              </a:ext>
+            </a:extLst>
+          </p:cNvPr>
+          <p:cNvCxnSpPr>
+            <a:cxnSpLocks/>
+            <a:stCxn id="11" idx="3"/>
+            <a:endCxn id="12" idx="1"/>
+          </p:cNvCxnSpPr>
+          <p:nvPr/>
+        </p:nvCxnSpPr>
+        <p:spPr>
+          <a:xfrm flipV="1">
+            <a:off x="5916303" y="4256963"/>
+            <a:ext cx="666467" cy="1"/>
+          </a:xfrm>
+          <a:prstGeom prst="straightConnector1">
+            <a:avLst/>
+          </a:prstGeom>
+          <a:ln>
+            <a:tailEnd type="triangle"/>
+          </a:ln>
+        </p:spPr>
+        <p:style>
+          <a:lnRef idx="1">
+            <a:schemeClr val="accent1"/>
+          </a:lnRef>
+          <a:fillRef idx="0">
+            <a:schemeClr val="accent1"/>
+          </a:fillRef>
+          <a:effectRef idx="0">
+            <a:schemeClr val="accent1"/>
+          </a:effectRef>
+          <a:fontRef idx="minor">
+            <a:schemeClr val="tx1"/>
+          </a:fontRef>
+        </p:style>
+      </p:cxnSp>
+      <p:sp>
+        <p:nvSpPr>
+          <p:cNvPr id="16" name="Speech Bubble: Rectangle 15">
+            <a:extLst>
+              <a:ext uri="{FF2B5EF4-FFF2-40B4-BE49-F238E27FC236}">
+                <a16:creationId xmlns:a16="http://schemas.microsoft.com/office/drawing/2014/main" id="{9E766406-6E0E-48AC-8E3C-E55C1D69D0BC}"/>
+              </a:ext>
+            </a:extLst>
+          </p:cNvPr>
+          <p:cNvSpPr/>
+          <p:nvPr/>
+        </p:nvSpPr>
+        <p:spPr>
+          <a:xfrm>
+            <a:off x="7870208" y="1428466"/>
+            <a:ext cx="1501254" cy="664191"/>
+          </a:xfrm>
+          <a:prstGeom prst="wedgeRectCallout">
+            <a:avLst>
+              <a:gd name="adj1" fmla="val -159621"/>
+              <a:gd name="adj2" fmla="val 374829"/>
+            </a:avLst>
+          </a:prstGeom>
+        </p:spPr>
+        <p:style>
+          <a:lnRef idx="2">
+            <a:schemeClr val="accent1">
+              <a:shade val="50000"/>
+            </a:schemeClr>
+          </a:lnRef>
+          <a:fillRef idx="1">
+            <a:schemeClr val="accent1"/>
+          </a:fillRef>
+          <a:effectRef idx="0">
+            <a:schemeClr val="accent1"/>
+          </a:effectRef>
+          <a:fontRef idx="minor">
+            <a:schemeClr val="lt1"/>
+          </a:fontRef>
+        </p:style>
+        <p:txBody>
+          <a:bodyPr rtlCol="0" anchor="ctr"/>
+          <a:lstStyle/>
+          <a:p>
+            <a:pPr algn="ctr"/>
+            <a:r>
+              <a:rPr lang="en-US" dirty="0"/>
+              <a:t>Grant Access</a:t>
+            </a:r>
+          </a:p>
+        </p:txBody>
+      </p:sp>
+    </p:spTree>
+    <p:extLst>
+      <p:ext uri="{BB962C8B-B14F-4D97-AF65-F5344CB8AC3E}">
+        <p14:creationId xmlns:p14="http://schemas.microsoft.com/office/powerpoint/2010/main" val="1196650786"/>
+      </p:ext>
+    </p:extLst>
+  </p:cSld>
+  <p:clrMapOvr>
+    <a:masterClrMapping/>
+  </p:clrMapOvr>
+</p:sld>
+</file>
+
 <file path=ppt/theme/theme1.xml><?xml version="1.0" encoding="utf-8"?>
 <a:theme xmlns:a="http://schemas.openxmlformats.org/drawingml/2006/main" name="Office 佈景主題">
   <a:themeElements>
